--- a/figs/pointCDF.pptx
+++ b/figs/pointCDF.pptx
@@ -531,10 +531,10 @@
                   <c:v>61.6438356164</c:v>
                 </c:pt>
                 <c:pt idx="10">
-                  <c:v>67.3100871731</c:v>
+                  <c:v>67.31008717309996</c:v>
                 </c:pt>
                 <c:pt idx="11">
-                  <c:v>72.78953922789999</c:v>
+                  <c:v>72.78953922789998</c:v>
                 </c:pt>
                 <c:pt idx="12">
                   <c:v>72.8518057285</c:v>
@@ -555,10 +555,10 @@
                   <c:v>76.5255292653</c:v>
                 </c:pt>
                 <c:pt idx="18">
-                  <c:v>76.77459526769999</c:v>
+                  <c:v>76.77459526769998</c:v>
                 </c:pt>
                 <c:pt idx="19">
-                  <c:v>77.45952677459999</c:v>
+                  <c:v>77.45952677459998</c:v>
                 </c:pt>
                 <c:pt idx="20">
                   <c:v>78.7671232877</c:v>
@@ -576,7 +576,7 @@
                   <c:v>81.5691158157</c:v>
                 </c:pt>
                 <c:pt idx="25">
-                  <c:v>82.37858032379999</c:v>
+                  <c:v>82.37858032379992</c:v>
                 </c:pt>
                 <c:pt idx="26">
                   <c:v>83.06351183060001</c:v>
@@ -585,16 +585,16 @@
                   <c:v>83.49937733500001</c:v>
                 </c:pt>
                 <c:pt idx="28">
-                  <c:v>84.1220423412</c:v>
+                  <c:v>84.12204234119996</c:v>
                 </c:pt>
                 <c:pt idx="29">
-                  <c:v>84.6201743462</c:v>
+                  <c:v>84.62017434619996</c:v>
                 </c:pt>
                 <c:pt idx="30">
-                  <c:v>85.2428393524</c:v>
+                  <c:v>85.24283935239997</c:v>
                 </c:pt>
                 <c:pt idx="31">
-                  <c:v>85.803237858</c:v>
+                  <c:v>85.80323785799996</c:v>
                 </c:pt>
                 <c:pt idx="32">
                   <c:v>86.301369863</c:v>
@@ -603,13 +603,13 @@
                   <c:v>86.7372353674</c:v>
                 </c:pt>
                 <c:pt idx="34">
-                  <c:v>87.1731008717</c:v>
+                  <c:v>87.17310087169996</c:v>
                 </c:pt>
                 <c:pt idx="35">
-                  <c:v>87.6089663761</c:v>
+                  <c:v>87.60896637609996</c:v>
                 </c:pt>
                 <c:pt idx="36">
-                  <c:v>87.98256537979999</c:v>
+                  <c:v>87.98256537979998</c:v>
                 </c:pt>
                 <c:pt idx="37">
                   <c:v>88.3561643836</c:v>
@@ -618,13 +618,13 @@
                   <c:v>88.7297633873</c:v>
                 </c:pt>
                 <c:pt idx="39">
-                  <c:v>89.103362391</c:v>
+                  <c:v>89.10336239099996</c:v>
                 </c:pt>
                 <c:pt idx="40">
-                  <c:v>89.35242839350001</c:v>
+                  <c:v>89.35242839349995</c:v>
                 </c:pt>
                 <c:pt idx="41">
-                  <c:v>89.6637608966</c:v>
+                  <c:v>89.66376089659995</c:v>
                 </c:pt>
                 <c:pt idx="42">
                   <c:v>89.9750933998</c:v>
@@ -666,13 +666,13 @@
                   <c:v>93.0261519303</c:v>
                 </c:pt>
                 <c:pt idx="55">
-                  <c:v>93.2752179328</c:v>
+                  <c:v>93.27521793279996</c:v>
                 </c:pt>
                 <c:pt idx="56">
                   <c:v>93.5242839352</c:v>
                 </c:pt>
                 <c:pt idx="57">
-                  <c:v>93.7733499377</c:v>
+                  <c:v>93.77334993769996</c:v>
                 </c:pt>
                 <c:pt idx="58">
                   <c:v>94.0224159402</c:v>
@@ -684,7 +684,7 @@
                   <c:v>94.27148194270001</c:v>
                 </c:pt>
                 <c:pt idx="61">
-                  <c:v>94.52054794519999</c:v>
+                  <c:v>94.52054794519998</c:v>
                 </c:pt>
                 <c:pt idx="62">
                   <c:v>94.7696139477</c:v>
@@ -699,7 +699,7 @@
                   <c:v>95.5168119552</c:v>
                 </c:pt>
                 <c:pt idx="66">
-                  <c:v>95.70361145699999</c:v>
+                  <c:v>95.70361145699998</c:v>
                 </c:pt>
                 <c:pt idx="67">
                   <c:v>95.8904109589</c:v>
@@ -714,7 +714,7 @@
                   <c:v>96.4508094645</c:v>
                 </c:pt>
                 <c:pt idx="71">
-                  <c:v>96.63760896639999</c:v>
+                  <c:v>96.63760896639998</c:v>
                 </c:pt>
                 <c:pt idx="72">
                   <c:v>96.8244084682</c:v>
@@ -726,16 +726,16 @@
                   <c:v>97.07347447070001</c:v>
                 </c:pt>
                 <c:pt idx="75">
-                  <c:v>97.198007472</c:v>
+                  <c:v>97.19800747199997</c:v>
                 </c:pt>
                 <c:pt idx="76">
-                  <c:v>97.32254047319999</c:v>
+                  <c:v>97.32254047319994</c:v>
                 </c:pt>
                 <c:pt idx="77">
                   <c:v>97.4470734745</c:v>
                 </c:pt>
                 <c:pt idx="78">
-                  <c:v>97.57160647569999</c:v>
+                  <c:v>97.57160647569998</c:v>
                 </c:pt>
                 <c:pt idx="79">
                   <c:v>97.696139477</c:v>
@@ -792,10 +792,10 @@
                   <c:v>99.1282689913</c:v>
                 </c:pt>
                 <c:pt idx="97">
-                  <c:v>99.19053549189999</c:v>
+                  <c:v>99.19053549189998</c:v>
                 </c:pt>
                 <c:pt idx="98">
-                  <c:v>99.2528019925</c:v>
+                  <c:v>99.25280199249995</c:v>
                 </c:pt>
                 <c:pt idx="99">
                   <c:v>99.3150684932</c:v>
@@ -825,7 +825,7 @@
                   <c:v>99.8132004981</c:v>
                 </c:pt>
                 <c:pt idx="108">
-                  <c:v>99.87546699879999</c:v>
+                  <c:v>99.87546699879994</c:v>
                 </c:pt>
                 <c:pt idx="109">
                   <c:v>99.9377334994</c:v>
@@ -1287,19 +1287,19 @@
                   <c:v>32.4843260188</c:v>
                 </c:pt>
                 <c:pt idx="8">
-                  <c:v>41.9670846395</c:v>
+                  <c:v>41.96708463949999</c:v>
                 </c:pt>
                 <c:pt idx="9">
-                  <c:v>41.9670846395</c:v>
+                  <c:v>41.96708463949999</c:v>
                 </c:pt>
                 <c:pt idx="10">
-                  <c:v>41.9670846395</c:v>
+                  <c:v>41.96708463949999</c:v>
                 </c:pt>
                 <c:pt idx="11">
-                  <c:v>41.9670846395</c:v>
+                  <c:v>41.96708463949999</c:v>
                 </c:pt>
                 <c:pt idx="12">
-                  <c:v>47.3746081505</c:v>
+                  <c:v>47.37460815049999</c:v>
                 </c:pt>
                 <c:pt idx="13">
                   <c:v>52.7821316614</c:v>
@@ -1308,7 +1308,7 @@
                   <c:v>58.1896551724</c:v>
                 </c:pt>
                 <c:pt idx="15">
-                  <c:v>62.9310344828</c:v>
+                  <c:v>62.93103448279999</c:v>
                 </c:pt>
                 <c:pt idx="16">
                   <c:v>67.67241379310001</c:v>
@@ -1317,10 +1317,10 @@
                   <c:v>72.4137931034</c:v>
                 </c:pt>
                 <c:pt idx="18">
-                  <c:v>77.1551724138</c:v>
+                  <c:v>77.15517241379993</c:v>
                 </c:pt>
                 <c:pt idx="19">
-                  <c:v>77.1551724138</c:v>
+                  <c:v>77.15517241379993</c:v>
                 </c:pt>
                 <c:pt idx="20">
                   <c:v>77.23354231970001</c:v>
@@ -1335,28 +1335,28 @@
                   <c:v>77.23354231970001</c:v>
                 </c:pt>
                 <c:pt idx="24">
-                  <c:v>78.29153605019999</c:v>
+                  <c:v>78.29153605019998</c:v>
                 </c:pt>
                 <c:pt idx="25">
-                  <c:v>78.29153605019999</c:v>
+                  <c:v>78.29153605019998</c:v>
                 </c:pt>
                 <c:pt idx="26">
-                  <c:v>78.29153605019999</c:v>
+                  <c:v>78.29153605019998</c:v>
                 </c:pt>
                 <c:pt idx="27">
-                  <c:v>78.29153605019999</c:v>
+                  <c:v>78.29153605019998</c:v>
                 </c:pt>
                 <c:pt idx="28">
-                  <c:v>78.29153605019999</c:v>
+                  <c:v>78.29153605019998</c:v>
                 </c:pt>
                 <c:pt idx="29">
-                  <c:v>78.29153605019999</c:v>
+                  <c:v>78.29153605019998</c:v>
                 </c:pt>
                 <c:pt idx="30">
-                  <c:v>78.29153605019999</c:v>
+                  <c:v>78.29153605019998</c:v>
                 </c:pt>
                 <c:pt idx="31">
-                  <c:v>79.54545454549999</c:v>
+                  <c:v>79.54545454549998</c:v>
                 </c:pt>
                 <c:pt idx="32">
                   <c:v>80.7601880878</c:v>
@@ -1386,28 +1386,28 @@
                   <c:v>87.2257053292</c:v>
                 </c:pt>
                 <c:pt idx="41">
-                  <c:v>88.2053291536</c:v>
+                  <c:v>88.20532915359996</c:v>
                 </c:pt>
                 <c:pt idx="42">
                   <c:v>89.1849529781</c:v>
                 </c:pt>
                 <c:pt idx="43">
-                  <c:v>90.16457680249999</c:v>
+                  <c:v>90.16457680249992</c:v>
                 </c:pt>
                 <c:pt idx="44">
-                  <c:v>90.16457680249999</c:v>
+                  <c:v>90.16457680249992</c:v>
                 </c:pt>
                 <c:pt idx="45">
-                  <c:v>90.16457680249999</c:v>
+                  <c:v>90.16457680249992</c:v>
                 </c:pt>
                 <c:pt idx="46">
                   <c:v>90.55642633230001</c:v>
                 </c:pt>
                 <c:pt idx="47">
-                  <c:v>91.3793103448</c:v>
+                  <c:v>91.37931034479996</c:v>
                 </c:pt>
                 <c:pt idx="48">
-                  <c:v>91.3793103448</c:v>
+                  <c:v>91.37931034479996</c:v>
                 </c:pt>
                 <c:pt idx="49">
                   <c:v>92.0846394984</c:v>
@@ -1416,10 +1416,10 @@
                   <c:v>92.2413793103</c:v>
                 </c:pt>
                 <c:pt idx="51">
-                  <c:v>92.868338558</c:v>
+                  <c:v>92.86833855799995</c:v>
                 </c:pt>
                 <c:pt idx="52">
-                  <c:v>93.0250783699</c:v>
+                  <c:v>93.02507836989996</c:v>
                 </c:pt>
                 <c:pt idx="53">
                   <c:v>93.0642633229</c:v>
@@ -1428,7 +1428,7 @@
                   <c:v>93.53448275860001</c:v>
                 </c:pt>
                 <c:pt idx="55">
-                  <c:v>94.0047021944</c:v>
+                  <c:v>94.00470219439997</c:v>
                 </c:pt>
                 <c:pt idx="56">
                   <c:v>94.4357366771</c:v>
@@ -1437,13 +1437,13 @@
                   <c:v>94.4357366771</c:v>
                 </c:pt>
                 <c:pt idx="58">
-                  <c:v>94.82758620689999</c:v>
+                  <c:v>94.82758620689995</c:v>
                 </c:pt>
                 <c:pt idx="59">
-                  <c:v>94.82758620689999</c:v>
+                  <c:v>94.82758620689995</c:v>
                 </c:pt>
                 <c:pt idx="60">
-                  <c:v>94.82758620689999</c:v>
+                  <c:v>94.82758620689995</c:v>
                 </c:pt>
                 <c:pt idx="61">
                   <c:v>95.0626959248</c:v>
@@ -1452,25 +1452,25 @@
                   <c:v>95.1410658307</c:v>
                 </c:pt>
                 <c:pt idx="63">
-                  <c:v>95.3761755486</c:v>
+                  <c:v>95.37617554859996</c:v>
                 </c:pt>
                 <c:pt idx="64">
-                  <c:v>95.3761755486</c:v>
+                  <c:v>95.37617554859996</c:v>
                 </c:pt>
                 <c:pt idx="65">
                   <c:v>95.6112852665</c:v>
                 </c:pt>
                 <c:pt idx="66">
-                  <c:v>95.68965517239999</c:v>
+                  <c:v>95.68965517239995</c:v>
                 </c:pt>
                 <c:pt idx="67">
-                  <c:v>95.68965517239999</c:v>
+                  <c:v>95.68965517239995</c:v>
                 </c:pt>
                 <c:pt idx="68">
-                  <c:v>95.88557993729999</c:v>
+                  <c:v>95.88557993729995</c:v>
                 </c:pt>
                 <c:pt idx="69">
-                  <c:v>96.08150470219999</c:v>
+                  <c:v>96.08150470219998</c:v>
                 </c:pt>
                 <c:pt idx="70">
                   <c:v>96.2382445141</c:v>
@@ -1494,10 +1494,10 @@
                   <c:v>96.6300940439</c:v>
                 </c:pt>
                 <c:pt idx="77">
-                  <c:v>96.74764890279999</c:v>
+                  <c:v>96.74764890279998</c:v>
                 </c:pt>
                 <c:pt idx="78">
-                  <c:v>96.9043887147</c:v>
+                  <c:v>96.90438871469996</c:v>
                 </c:pt>
                 <c:pt idx="79">
                   <c:v>97.0611285266</c:v>
@@ -1515,10 +1515,10 @@
                   <c:v>97.2962382445</c:v>
                 </c:pt>
                 <c:pt idx="84">
-                  <c:v>97.37460815049999</c:v>
+                  <c:v>97.37460815049992</c:v>
                 </c:pt>
                 <c:pt idx="85">
-                  <c:v>97.4529780564</c:v>
+                  <c:v>97.45297805639994</c:v>
                 </c:pt>
                 <c:pt idx="86">
                   <c:v>97.53134796240001</c:v>
@@ -1527,7 +1527,7 @@
                   <c:v>97.6097178683</c:v>
                 </c:pt>
                 <c:pt idx="88">
-                  <c:v>97.6880877743</c:v>
+                  <c:v>97.68808777429996</c:v>
                 </c:pt>
                 <c:pt idx="89">
                   <c:v>97.7664576803</c:v>
@@ -1542,16 +1542,16 @@
                   <c:v>97.9231974922</c:v>
                 </c:pt>
                 <c:pt idx="93">
-                  <c:v>98.00156739809999</c:v>
+                  <c:v>98.00156739809998</c:v>
                 </c:pt>
                 <c:pt idx="94">
-                  <c:v>98.0799373041</c:v>
+                  <c:v>98.07993730409996</c:v>
                 </c:pt>
                 <c:pt idx="95">
-                  <c:v>98.15830721</c:v>
+                  <c:v>98.15830720999996</c:v>
                 </c:pt>
                 <c:pt idx="96">
-                  <c:v>98.236677116</c:v>
+                  <c:v>98.23667711599997</c:v>
                 </c:pt>
                 <c:pt idx="97">
                   <c:v>98.3150470219</c:v>
@@ -1560,7 +1560,7 @@
                   <c:v>98.3934169279</c:v>
                 </c:pt>
                 <c:pt idx="99">
-                  <c:v>98.4717868339</c:v>
+                  <c:v>98.47178683389996</c:v>
                 </c:pt>
                 <c:pt idx="100">
                   <c:v>98.5109717868</c:v>
@@ -1569,31 +1569,31 @@
                   <c:v>98.58934169280001</c:v>
                 </c:pt>
                 <c:pt idx="102">
-                  <c:v>98.66771159869999</c:v>
+                  <c:v>98.66771159869995</c:v>
                 </c:pt>
                 <c:pt idx="103">
                   <c:v>98.7460815047</c:v>
                 </c:pt>
                 <c:pt idx="104">
-                  <c:v>98.82445141069999</c:v>
+                  <c:v>98.82445141069994</c:v>
                 </c:pt>
                 <c:pt idx="105">
-                  <c:v>98.86363636359999</c:v>
+                  <c:v>98.86363636359995</c:v>
                 </c:pt>
                 <c:pt idx="106">
                   <c:v>98.9420062696</c:v>
                 </c:pt>
                 <c:pt idx="107">
-                  <c:v>99.0203761755</c:v>
+                  <c:v>99.02037617549995</c:v>
                 </c:pt>
                 <c:pt idx="108">
-                  <c:v>99.05956112849999</c:v>
+                  <c:v>99.05956112849994</c:v>
                 </c:pt>
                 <c:pt idx="109">
                   <c:v>99.0987460815</c:v>
                 </c:pt>
                 <c:pt idx="110">
-                  <c:v>99.1379310345</c:v>
+                  <c:v>99.13793103449996</c:v>
                 </c:pt>
                 <c:pt idx="111">
                   <c:v>99.1771159875</c:v>
@@ -1602,7 +1602,7 @@
                   <c:v>99.2163009404</c:v>
                 </c:pt>
                 <c:pt idx="113">
-                  <c:v>99.25548589340001</c:v>
+                  <c:v>99.25548589339996</c:v>
                 </c:pt>
                 <c:pt idx="114">
                   <c:v>99.2946708464</c:v>
@@ -1611,7 +1611,7 @@
                   <c:v>99.3338557994</c:v>
                 </c:pt>
                 <c:pt idx="116">
-                  <c:v>99.3730407524</c:v>
+                  <c:v>99.37304075239994</c:v>
                 </c:pt>
                 <c:pt idx="117">
                   <c:v>99.4122257053</c:v>
@@ -1635,7 +1635,7 @@
                   <c:v>99.6473354232</c:v>
                 </c:pt>
                 <c:pt idx="124">
-                  <c:v>99.68652037619999</c:v>
+                  <c:v>99.68652037619995</c:v>
                 </c:pt>
                 <c:pt idx="125">
                   <c:v>99.7257053292</c:v>
@@ -1653,7 +1653,7 @@
                   <c:v>99.88244514110001</c:v>
                 </c:pt>
                 <c:pt idx="130">
-                  <c:v>99.92163009399999</c:v>
+                  <c:v>99.92163009399998</c:v>
                 </c:pt>
                 <c:pt idx="131">
                   <c:v>99.960815047</c:v>
@@ -1671,11 +1671,11 @@
           <c:showPercent val="0"/>
           <c:showBubbleSize val="0"/>
         </c:dLbls>
-        <c:axId val="-2092542984"/>
-        <c:axId val="-2092537336"/>
+        <c:axId val="-2077124200"/>
+        <c:axId val="-2087411976"/>
       </c:scatterChart>
       <c:valAx>
-        <c:axId val="-2092542984"/>
+        <c:axId val="-2077124200"/>
         <c:scaling>
           <c:orientation val="minMax"/>
           <c:max val="100.0"/>
@@ -1689,20 +1689,22 @@
               <a:lstStyle/>
               <a:p>
                 <a:pPr>
-                  <a:defRPr sz="1100">
-                    <a:latin typeface="Verdana"/>
-                    <a:cs typeface="Verdana"/>
+                  <a:defRPr sz="1100" b="0">
+                    <a:latin typeface="Times New Roman"/>
+                    <a:cs typeface="Times New Roman"/>
                   </a:defRPr>
                 </a:pPr>
                 <a:r>
-                  <a:rPr lang="en-US" dirty="0" smtClean="0"/>
-                  <a:t># Highest</a:t>
+                  <a:rPr lang="en-US" b="0" dirty="0" smtClean="0">
+                    <a:latin typeface="Times New Roman"/>
+                    <a:cs typeface="Times New Roman"/>
+                  </a:rPr>
+                  <a:t>Tags (ordered by Frequency)</a:t>
                 </a:r>
-                <a:r>
-                  <a:rPr lang="en-US" baseline="0" dirty="0" smtClean="0"/>
-                  <a:t> ranked labels</a:t>
-                </a:r>
-                <a:endParaRPr lang="en-US" dirty="0"/>
+                <a:endParaRPr lang="en-US" b="0" dirty="0">
+                  <a:latin typeface="Times New Roman"/>
+                  <a:cs typeface="Times New Roman"/>
+                </a:endParaRPr>
               </a:p>
             </c:rich>
           </c:tx>
@@ -1720,12 +1722,12 @@
         <c:majorTickMark val="out"/>
         <c:minorTickMark val="none"/>
         <c:tickLblPos val="nextTo"/>
-        <c:crossAx val="-2092537336"/>
+        <c:crossAx val="-2087411976"/>
         <c:crosses val="autoZero"/>
         <c:crossBetween val="midCat"/>
       </c:valAx>
       <c:valAx>
-        <c:axId val="-2092537336"/>
+        <c:axId val="-2087411976"/>
         <c:scaling>
           <c:orientation val="minMax"/>
           <c:max val="100.0"/>
@@ -1752,16 +1754,22 @@
               <a:lstStyle/>
               <a:p>
                 <a:pPr>
-                  <a:defRPr sz="1100">
-                    <a:latin typeface="Verdana"/>
-                    <a:cs typeface="Verdana"/>
+                  <a:defRPr sz="1100" b="0">
+                    <a:latin typeface="Times New Roman"/>
+                    <a:cs typeface="Times New Roman"/>
                   </a:defRPr>
                 </a:pPr>
                 <a:r>
-                  <a:rPr lang="en-US" dirty="0" smtClean="0"/>
+                  <a:rPr lang="en-US" b="0" dirty="0" smtClean="0">
+                    <a:latin typeface="Times New Roman"/>
+                    <a:cs typeface="Times New Roman"/>
+                  </a:rPr>
                   <a:t># Sensor names fully qualified</a:t>
                 </a:r>
-                <a:endParaRPr lang="en-US" dirty="0"/>
+                <a:endParaRPr lang="en-US" b="0" dirty="0">
+                  <a:latin typeface="Times New Roman"/>
+                  <a:cs typeface="Times New Roman"/>
+                </a:endParaRPr>
               </a:p>
             </c:rich>
           </c:tx>
@@ -1789,7 +1797,7 @@
             <a:endParaRPr lang="en-US"/>
           </a:p>
         </c:txPr>
-        <c:crossAx val="-2092542984"/>
+        <c:crossAx val="-2077124200"/>
         <c:crosses val="autoZero"/>
         <c:crossBetween val="midCat"/>
         <c:majorUnit val="20.0"/>
@@ -1814,8 +1822,8 @@
         <a:p>
           <a:pPr>
             <a:defRPr sz="1200">
-              <a:latin typeface="Verdana"/>
-              <a:cs typeface="Verdana"/>
+              <a:latin typeface="Times New Roman"/>
+              <a:cs typeface="Times New Roman"/>
             </a:defRPr>
           </a:pPr>
           <a:endParaRPr lang="en-US"/>
@@ -2013,7 +2021,7 @@
           <a:p>
             <a:fld id="{4FD3255D-85C7-A245-B73A-5F04F59AC273}" type="datetimeFigureOut">
               <a:rPr lang="en-US" smtClean="0"/>
-              <a:t>4/2/14</a:t>
+              <a:t>4/4/14</a:t>
             </a:fld>
             <a:endParaRPr lang="en-US"/>
           </a:p>
@@ -2183,7 +2191,7 @@
           <a:p>
             <a:fld id="{4FD3255D-85C7-A245-B73A-5F04F59AC273}" type="datetimeFigureOut">
               <a:rPr lang="en-US" smtClean="0"/>
-              <a:t>4/2/14</a:t>
+              <a:t>4/4/14</a:t>
             </a:fld>
             <a:endParaRPr lang="en-US"/>
           </a:p>
@@ -2363,7 +2371,7 @@
           <a:p>
             <a:fld id="{4FD3255D-85C7-A245-B73A-5F04F59AC273}" type="datetimeFigureOut">
               <a:rPr lang="en-US" smtClean="0"/>
-              <a:t>4/2/14</a:t>
+              <a:t>4/4/14</a:t>
             </a:fld>
             <a:endParaRPr lang="en-US"/>
           </a:p>
@@ -2533,7 +2541,7 @@
           <a:p>
             <a:fld id="{4FD3255D-85C7-A245-B73A-5F04F59AC273}" type="datetimeFigureOut">
               <a:rPr lang="en-US" smtClean="0"/>
-              <a:t>4/2/14</a:t>
+              <a:t>4/4/14</a:t>
             </a:fld>
             <a:endParaRPr lang="en-US"/>
           </a:p>
@@ -2779,7 +2787,7 @@
           <a:p>
             <a:fld id="{4FD3255D-85C7-A245-B73A-5F04F59AC273}" type="datetimeFigureOut">
               <a:rPr lang="en-US" smtClean="0"/>
-              <a:t>4/2/14</a:t>
+              <a:t>4/4/14</a:t>
             </a:fld>
             <a:endParaRPr lang="en-US"/>
           </a:p>
@@ -3067,7 +3075,7 @@
           <a:p>
             <a:fld id="{4FD3255D-85C7-A245-B73A-5F04F59AC273}" type="datetimeFigureOut">
               <a:rPr lang="en-US" smtClean="0"/>
-              <a:t>4/2/14</a:t>
+              <a:t>4/4/14</a:t>
             </a:fld>
             <a:endParaRPr lang="en-US"/>
           </a:p>
@@ -3494,7 +3502,7 @@
           <a:p>
             <a:fld id="{4FD3255D-85C7-A245-B73A-5F04F59AC273}" type="datetimeFigureOut">
               <a:rPr lang="en-US" smtClean="0"/>
-              <a:t>4/2/14</a:t>
+              <a:t>4/4/14</a:t>
             </a:fld>
             <a:endParaRPr lang="en-US"/>
           </a:p>
@@ -3612,7 +3620,7 @@
           <a:p>
             <a:fld id="{4FD3255D-85C7-A245-B73A-5F04F59AC273}" type="datetimeFigureOut">
               <a:rPr lang="en-US" smtClean="0"/>
-              <a:t>4/2/14</a:t>
+              <a:t>4/4/14</a:t>
             </a:fld>
             <a:endParaRPr lang="en-US"/>
           </a:p>
@@ -3707,7 +3715,7 @@
           <a:p>
             <a:fld id="{4FD3255D-85C7-A245-B73A-5F04F59AC273}" type="datetimeFigureOut">
               <a:rPr lang="en-US" smtClean="0"/>
-              <a:t>4/2/14</a:t>
+              <a:t>4/4/14</a:t>
             </a:fld>
             <a:endParaRPr lang="en-US"/>
           </a:p>
@@ -3984,7 +3992,7 @@
           <a:p>
             <a:fld id="{4FD3255D-85C7-A245-B73A-5F04F59AC273}" type="datetimeFigureOut">
               <a:rPr lang="en-US" smtClean="0"/>
-              <a:t>4/2/14</a:t>
+              <a:t>4/4/14</a:t>
             </a:fld>
             <a:endParaRPr lang="en-US"/>
           </a:p>
@@ -4237,7 +4245,7 @@
           <a:p>
             <a:fld id="{4FD3255D-85C7-A245-B73A-5F04F59AC273}" type="datetimeFigureOut">
               <a:rPr lang="en-US" smtClean="0"/>
-              <a:t>4/2/14</a:t>
+              <a:t>4/4/14</a:t>
             </a:fld>
             <a:endParaRPr lang="en-US"/>
           </a:p>
@@ -4450,7 +4458,7 @@
           <a:p>
             <a:fld id="{4FD3255D-85C7-A245-B73A-5F04F59AC273}" type="datetimeFigureOut">
               <a:rPr lang="en-US" smtClean="0"/>
-              <a:t>4/2/14</a:t>
+              <a:t>4/4/14</a:t>
             </a:fld>
             <a:endParaRPr lang="en-US"/>
           </a:p>
@@ -4860,7 +4868,7 @@
           <p:nvPr>
             <p:extLst>
               <p:ext uri="{D42A27DB-BD31-4B8C-83A1-F6EECF244321}">
-                <p14:modId xmlns:p14="http://schemas.microsoft.com/office/powerpoint/2010/main" val="133731797"/>
+                <p14:modId xmlns:p14="http://schemas.microsoft.com/office/powerpoint/2010/main" val="3793257363"/>
               </p:ext>
             </p:extLst>
           </p:nvPr>
